--- a/image2/Lasso/界面.pptx
+++ b/image2/Lasso/界面.pptx
@@ -302,7 +302,7 @@
           <a:p>
             <a:fld id="{530820CF-B880-4189-942D-D702A7CBA730}" type="datetimeFigureOut">
               <a:rPr lang="zh-CN" altLang="en-US" smtClean="0"/>
-              <a:t>2024/4/23</a:t>
+              <a:t>2024/4/27</a:t>
             </a:fld>
             <a:endParaRPr lang="zh-CN" altLang="en-US"/>
           </a:p>
@@ -465,7 +465,7 @@
           <a:p>
             <a:fld id="{530820CF-B880-4189-942D-D702A7CBA730}" type="datetimeFigureOut">
               <a:rPr lang="zh-CN" altLang="en-US" smtClean="0"/>
-              <a:t>2024/4/23</a:t>
+              <a:t>2024/4/27</a:t>
             </a:fld>
             <a:endParaRPr lang="zh-CN" altLang="en-US"/>
           </a:p>
@@ -638,7 +638,7 @@
           <a:p>
             <a:fld id="{530820CF-B880-4189-942D-D702A7CBA730}" type="datetimeFigureOut">
               <a:rPr lang="zh-CN" altLang="en-US" smtClean="0"/>
-              <a:t>2024/4/23</a:t>
+              <a:t>2024/4/27</a:t>
             </a:fld>
             <a:endParaRPr lang="zh-CN" altLang="en-US"/>
           </a:p>
@@ -801,7 +801,7 @@
           <a:p>
             <a:fld id="{530820CF-B880-4189-942D-D702A7CBA730}" type="datetimeFigureOut">
               <a:rPr lang="zh-CN" altLang="en-US" smtClean="0"/>
-              <a:t>2024/4/23</a:t>
+              <a:t>2024/4/27</a:t>
             </a:fld>
             <a:endParaRPr lang="zh-CN" altLang="en-US"/>
           </a:p>
@@ -1041,7 +1041,7 @@
           <a:p>
             <a:fld id="{530820CF-B880-4189-942D-D702A7CBA730}" type="datetimeFigureOut">
               <a:rPr lang="zh-CN" altLang="en-US" smtClean="0"/>
-              <a:t>2024/4/23</a:t>
+              <a:t>2024/4/27</a:t>
             </a:fld>
             <a:endParaRPr lang="zh-CN" altLang="en-US"/>
           </a:p>
@@ -1321,7 +1321,7 @@
           <a:p>
             <a:fld id="{530820CF-B880-4189-942D-D702A7CBA730}" type="datetimeFigureOut">
               <a:rPr lang="zh-CN" altLang="en-US" smtClean="0"/>
-              <a:t>2024/4/23</a:t>
+              <a:t>2024/4/27</a:t>
             </a:fld>
             <a:endParaRPr lang="zh-CN" altLang="en-US"/>
           </a:p>
@@ -1735,7 +1735,7 @@
           <a:p>
             <a:fld id="{530820CF-B880-4189-942D-D702A7CBA730}" type="datetimeFigureOut">
               <a:rPr lang="zh-CN" altLang="en-US" smtClean="0"/>
-              <a:t>2024/4/23</a:t>
+              <a:t>2024/4/27</a:t>
             </a:fld>
             <a:endParaRPr lang="zh-CN" altLang="en-US"/>
           </a:p>
@@ -1847,7 +1847,7 @@
           <a:p>
             <a:fld id="{530820CF-B880-4189-942D-D702A7CBA730}" type="datetimeFigureOut">
               <a:rPr lang="zh-CN" altLang="en-US" smtClean="0"/>
-              <a:t>2024/4/23</a:t>
+              <a:t>2024/4/27</a:t>
             </a:fld>
             <a:endParaRPr lang="zh-CN" altLang="en-US"/>
           </a:p>
@@ -1937,7 +1937,7 @@
           <a:p>
             <a:fld id="{530820CF-B880-4189-942D-D702A7CBA730}" type="datetimeFigureOut">
               <a:rPr lang="zh-CN" altLang="en-US" smtClean="0"/>
-              <a:t>2024/4/23</a:t>
+              <a:t>2024/4/27</a:t>
             </a:fld>
             <a:endParaRPr lang="zh-CN" altLang="en-US"/>
           </a:p>
@@ -2207,7 +2207,7 @@
           <a:p>
             <a:fld id="{530820CF-B880-4189-942D-D702A7CBA730}" type="datetimeFigureOut">
               <a:rPr lang="zh-CN" altLang="en-US" smtClean="0"/>
-              <a:t>2024/4/23</a:t>
+              <a:t>2024/4/27</a:t>
             </a:fld>
             <a:endParaRPr lang="zh-CN" altLang="en-US"/>
           </a:p>
@@ -2454,7 +2454,7 @@
           <a:p>
             <a:fld id="{530820CF-B880-4189-942D-D702A7CBA730}" type="datetimeFigureOut">
               <a:rPr lang="zh-CN" altLang="en-US" smtClean="0"/>
-              <a:t>2024/4/23</a:t>
+              <a:t>2024/4/27</a:t>
             </a:fld>
             <a:endParaRPr lang="zh-CN" altLang="en-US"/>
           </a:p>
@@ -2660,7 +2660,7 @@
           <a:p>
             <a:fld id="{530820CF-B880-4189-942D-D702A7CBA730}" type="datetimeFigureOut">
               <a:rPr lang="zh-CN" altLang="en-US" smtClean="0"/>
-              <a:t>2024/4/23</a:t>
+              <a:t>2024/4/27</a:t>
             </a:fld>
             <a:endParaRPr lang="zh-CN" altLang="en-US"/>
           </a:p>
@@ -3032,10 +3032,10 @@
       </p:grpSpPr>
       <p:pic>
         <p:nvPicPr>
-          <p:cNvPr id="8" name="图片 7">
+          <p:cNvPr id="4" name="图片 3">
             <a:extLst>
               <a:ext uri="{FF2B5EF4-FFF2-40B4-BE49-F238E27FC236}">
-                <a16:creationId xmlns:a16="http://schemas.microsoft.com/office/drawing/2014/main" id="{EFAE9CD0-6BC1-C176-829C-D7390C7A74B9}"/>
+                <a16:creationId xmlns:a16="http://schemas.microsoft.com/office/drawing/2014/main" id="{9E2AE66D-09D1-838B-7B2F-0E0E7E043563}"/>
               </a:ext>
             </a:extLst>
           </p:cNvPr>
@@ -3045,14 +3045,20 @@
           <p:nvPr/>
         </p:nvPicPr>
         <p:blipFill rotWithShape="1">
-          <a:blip r:embed="rId2"/>
-          <a:srcRect l="3988" t="9074" r="5098"/>
+          <a:blip r:embed="rId2">
+            <a:extLst>
+              <a:ext uri="{28A0092B-C50C-407E-A947-70E740481C1C}">
+                <a14:useLocalDpi xmlns:a14="http://schemas.microsoft.com/office/drawing/2010/main" val="0"/>
+              </a:ext>
+            </a:extLst>
+          </a:blip>
+          <a:srcRect l="2057" t="1478" r="1260" b="673"/>
           <a:stretch/>
         </p:blipFill>
         <p:spPr>
           <a:xfrm>
-            <a:off x="4743890" y="1701540"/>
-            <a:ext cx="3007399" cy="7182219"/>
+            <a:off x="4747613" y="1682994"/>
+            <a:ext cx="3329960" cy="7182219"/>
           </a:xfrm>
           <a:prstGeom prst="rect">
             <a:avLst/>
@@ -3119,7 +3125,7 @@
                 <a:latin typeface="Times New Roman" panose="02020603050405020304" pitchFamily="18" charset="0"/>
                 <a:cs typeface="Times New Roman" panose="02020603050405020304" pitchFamily="18" charset="0"/>
               </a:rPr>
-              <a:t>Lasso</a:t>
+              <a:t>LASSO</a:t>
             </a:r>
             <a:endParaRPr lang="zh-CN" altLang="en-US" sz="1600" b="1" dirty="0">
               <a:latin typeface="Times New Roman" panose="02020603050405020304" pitchFamily="18" charset="0"/>
@@ -3136,7 +3142,7 @@
         </p:nvSpPr>
         <p:spPr>
           <a:xfrm>
-            <a:off x="3545165" y="2584392"/>
+            <a:off x="3545165" y="2628354"/>
             <a:ext cx="864096" cy="288032"/>
           </a:xfrm>
           <a:prstGeom prst="borderCallout1">
@@ -3194,7 +3200,7 @@
         </p:nvSpPr>
         <p:spPr>
           <a:xfrm>
-            <a:off x="3545165" y="6524923"/>
+            <a:off x="3545165" y="6084738"/>
             <a:ext cx="1098844" cy="277495"/>
           </a:xfrm>
           <a:prstGeom prst="borderCallout1">
@@ -3202,7 +3208,7 @@
               <a:gd name="adj1" fmla="val 44544"/>
               <a:gd name="adj2" fmla="val 98811"/>
               <a:gd name="adj3" fmla="val 44856"/>
-              <a:gd name="adj4" fmla="val 123988"/>
+              <a:gd name="adj4" fmla="val 127529"/>
             </a:avLst>
           </a:prstGeom>
           <a:noFill/>
@@ -3252,7 +3258,7 @@
         </p:nvSpPr>
         <p:spPr>
           <a:xfrm>
-            <a:off x="3545165" y="8247378"/>
+            <a:off x="3545165" y="8244978"/>
             <a:ext cx="1117538" cy="288032"/>
           </a:xfrm>
           <a:prstGeom prst="borderCallout1">
@@ -3310,7 +3316,7 @@
         </p:nvSpPr>
         <p:spPr>
           <a:xfrm>
-            <a:off x="3584511" y="3586020"/>
+            <a:off x="3584511" y="3719011"/>
             <a:ext cx="864096" cy="277495"/>
           </a:xfrm>
           <a:prstGeom prst="borderCallout1">
@@ -3318,7 +3324,7 @@
               <a:gd name="adj1" fmla="val 44544"/>
               <a:gd name="adj2" fmla="val 98811"/>
               <a:gd name="adj3" fmla="val 46142"/>
-              <a:gd name="adj4" fmla="val 149913"/>
+              <a:gd name="adj4" fmla="val 153290"/>
             </a:avLst>
           </a:prstGeom>
           <a:noFill/>
@@ -3368,7 +3374,7 @@
         </p:nvSpPr>
         <p:spPr>
           <a:xfrm>
-            <a:off x="3545165" y="4667950"/>
+            <a:off x="3545165" y="4788594"/>
             <a:ext cx="987489" cy="277495"/>
           </a:xfrm>
           <a:prstGeom prst="borderCallout1">
@@ -3426,7 +3432,7 @@
         </p:nvSpPr>
         <p:spPr>
           <a:xfrm>
-            <a:off x="3584512" y="7121748"/>
+            <a:off x="3584512" y="7380882"/>
             <a:ext cx="864096" cy="288032"/>
           </a:xfrm>
           <a:prstGeom prst="borderCallout1">
@@ -3434,7 +3440,7 @@
               <a:gd name="adj1" fmla="val 44544"/>
               <a:gd name="adj2" fmla="val 98811"/>
               <a:gd name="adj3" fmla="val 43937"/>
-              <a:gd name="adj4" fmla="val 152920"/>
+              <a:gd name="adj4" fmla="val 159675"/>
             </a:avLst>
           </a:prstGeom>
           <a:noFill/>

--- a/image2/Lasso/界面.pptx
+++ b/image2/Lasso/界面.pptx
@@ -3032,10 +3032,10 @@
       </p:grpSpPr>
       <p:pic>
         <p:nvPicPr>
-          <p:cNvPr id="4" name="图片 3">
+          <p:cNvPr id="5" name="图片 4">
             <a:extLst>
               <a:ext uri="{FF2B5EF4-FFF2-40B4-BE49-F238E27FC236}">
-                <a16:creationId xmlns:a16="http://schemas.microsoft.com/office/drawing/2014/main" id="{9E2AE66D-09D1-838B-7B2F-0E0E7E043563}"/>
+                <a16:creationId xmlns:a16="http://schemas.microsoft.com/office/drawing/2014/main" id="{A2CA81F4-771C-628E-201C-09429CD205C8}"/>
               </a:ext>
             </a:extLst>
           </p:cNvPr>
@@ -3044,21 +3044,16 @@
           </p:cNvPicPr>
           <p:nvPr/>
         </p:nvPicPr>
-        <p:blipFill rotWithShape="1">
-          <a:blip r:embed="rId2">
-            <a:extLst>
-              <a:ext uri="{28A0092B-C50C-407E-A947-70E740481C1C}">
-                <a14:useLocalDpi xmlns:a14="http://schemas.microsoft.com/office/drawing/2010/main" val="0"/>
-              </a:ext>
-            </a:extLst>
-          </a:blip>
-          <a:srcRect l="2057" t="1478" r="1260" b="673"/>
-          <a:stretch/>
+        <p:blipFill>
+          <a:blip r:embed="rId2"/>
+          <a:stretch>
+            <a:fillRect/>
+          </a:stretch>
         </p:blipFill>
         <p:spPr>
           <a:xfrm>
-            <a:off x="4747613" y="1682994"/>
-            <a:ext cx="3329960" cy="7182219"/>
+            <a:off x="4683343" y="1682106"/>
+            <a:ext cx="3417049" cy="7183107"/>
           </a:xfrm>
           <a:prstGeom prst="rect">
             <a:avLst/>

--- a/image2/Lasso/界面.pptx
+++ b/image2/Lasso/界面.pptx
@@ -3032,10 +3032,10 @@
       </p:grpSpPr>
       <p:pic>
         <p:nvPicPr>
-          <p:cNvPr id="5" name="图片 4">
+          <p:cNvPr id="4" name="图片 3">
             <a:extLst>
               <a:ext uri="{FF2B5EF4-FFF2-40B4-BE49-F238E27FC236}">
-                <a16:creationId xmlns:a16="http://schemas.microsoft.com/office/drawing/2014/main" id="{A2CA81F4-771C-628E-201C-09429CD205C8}"/>
+                <a16:creationId xmlns:a16="http://schemas.microsoft.com/office/drawing/2014/main" id="{4867BCA6-B447-6167-2658-5368E4E4DD1B}"/>
               </a:ext>
             </a:extLst>
           </p:cNvPr>
@@ -3045,15 +3045,21 @@
           <p:nvPr/>
         </p:nvPicPr>
         <p:blipFill>
-          <a:blip r:embed="rId2"/>
+          <a:blip r:embed="rId2">
+            <a:extLst>
+              <a:ext uri="{28A0092B-C50C-407E-A947-70E740481C1C}">
+                <a14:useLocalDpi xmlns:a14="http://schemas.microsoft.com/office/drawing/2010/main" val="0"/>
+              </a:ext>
+            </a:extLst>
+          </a:blip>
           <a:stretch>
             <a:fillRect/>
           </a:stretch>
         </p:blipFill>
         <p:spPr>
           <a:xfrm>
-            <a:off x="4683343" y="1682106"/>
-            <a:ext cx="3417049" cy="7183107"/>
+            <a:off x="4671974" y="1709943"/>
+            <a:ext cx="3453104" cy="7183107"/>
           </a:xfrm>
           <a:prstGeom prst="rect">
             <a:avLst/>
